--- a/parkingLot.pptx
+++ b/parkingLot.pptx
@@ -211,7 +211,7 @@
           <a:p>
             <a:fld id="{46712B4E-0B19-4675-8F4F-081D4F1ADD9F}" type="datetimeFigureOut">
               <a:rPr lang="zh-TW" altLang="en-US" smtClean="0"/>
-              <a:t>2024/1/8</a:t>
+              <a:t>2024/1/9</a:t>
             </a:fld>
             <a:endParaRPr lang="zh-TW" altLang="en-US"/>
           </a:p>
@@ -788,7 +788,7 @@
           <a:p>
             <a:fld id="{A99C5C56-1E66-44EF-BFAE-CA9B7F1AF4B2}" type="datetimeFigureOut">
               <a:rPr lang="zh-TW" altLang="en-US" smtClean="0"/>
-              <a:t>2024/1/8</a:t>
+              <a:t>2024/1/9</a:t>
             </a:fld>
             <a:endParaRPr lang="zh-TW" altLang="en-US"/>
           </a:p>
@@ -996,7 +996,7 @@
           <a:p>
             <a:fld id="{A99C5C56-1E66-44EF-BFAE-CA9B7F1AF4B2}" type="datetimeFigureOut">
               <a:rPr lang="zh-TW" altLang="en-US" smtClean="0"/>
-              <a:t>2024/1/8</a:t>
+              <a:t>2024/1/9</a:t>
             </a:fld>
             <a:endParaRPr lang="zh-TW" altLang="en-US"/>
           </a:p>
@@ -1252,7 +1252,7 @@
           <a:p>
             <a:fld id="{A99C5C56-1E66-44EF-BFAE-CA9B7F1AF4B2}" type="datetimeFigureOut">
               <a:rPr lang="zh-TW" altLang="en-US" smtClean="0"/>
-              <a:t>2024/1/8</a:t>
+              <a:t>2024/1/9</a:t>
             </a:fld>
             <a:endParaRPr lang="zh-TW" altLang="en-US"/>
           </a:p>
@@ -1426,7 +1426,7 @@
           <a:p>
             <a:fld id="{A99C5C56-1E66-44EF-BFAE-CA9B7F1AF4B2}" type="datetimeFigureOut">
               <a:rPr lang="zh-TW" altLang="en-US" smtClean="0"/>
-              <a:t>2024/1/8</a:t>
+              <a:t>2024/1/9</a:t>
             </a:fld>
             <a:endParaRPr lang="zh-TW" altLang="en-US"/>
           </a:p>
@@ -1769,7 +1769,7 @@
           <a:p>
             <a:fld id="{A99C5C56-1E66-44EF-BFAE-CA9B7F1AF4B2}" type="datetimeFigureOut">
               <a:rPr lang="zh-TW" altLang="en-US" smtClean="0"/>
-              <a:t>2024/1/8</a:t>
+              <a:t>2024/1/9</a:t>
             </a:fld>
             <a:endParaRPr lang="zh-TW" altLang="en-US"/>
           </a:p>
@@ -2044,7 +2044,7 @@
           <a:p>
             <a:fld id="{A99C5C56-1E66-44EF-BFAE-CA9B7F1AF4B2}" type="datetimeFigureOut">
               <a:rPr lang="zh-TW" altLang="en-US" smtClean="0"/>
-              <a:t>2024/1/8</a:t>
+              <a:t>2024/1/9</a:t>
             </a:fld>
             <a:endParaRPr lang="zh-TW" altLang="en-US"/>
           </a:p>
@@ -2423,7 +2423,7 @@
           <a:p>
             <a:fld id="{A99C5C56-1E66-44EF-BFAE-CA9B7F1AF4B2}" type="datetimeFigureOut">
               <a:rPr lang="zh-TW" altLang="en-US" smtClean="0"/>
-              <a:t>2024/1/8</a:t>
+              <a:t>2024/1/9</a:t>
             </a:fld>
             <a:endParaRPr lang="zh-TW" altLang="en-US"/>
           </a:p>
@@ -2541,7 +2541,7 @@
           <a:p>
             <a:fld id="{A99C5C56-1E66-44EF-BFAE-CA9B7F1AF4B2}" type="datetimeFigureOut">
               <a:rPr lang="zh-TW" altLang="en-US" smtClean="0"/>
-              <a:t>2024/1/8</a:t>
+              <a:t>2024/1/9</a:t>
             </a:fld>
             <a:endParaRPr lang="zh-TW" altLang="en-US"/>
           </a:p>
@@ -2712,7 +2712,7 @@
           <a:p>
             <a:fld id="{A99C5C56-1E66-44EF-BFAE-CA9B7F1AF4B2}" type="datetimeFigureOut">
               <a:rPr lang="zh-TW" altLang="en-US" smtClean="0"/>
-              <a:t>2024/1/8</a:t>
+              <a:t>2024/1/9</a:t>
             </a:fld>
             <a:endParaRPr lang="zh-TW" altLang="en-US"/>
           </a:p>
@@ -3066,7 +3066,7 @@
           <a:p>
             <a:fld id="{A99C5C56-1E66-44EF-BFAE-CA9B7F1AF4B2}" type="datetimeFigureOut">
               <a:rPr lang="zh-TW" altLang="en-US" smtClean="0"/>
-              <a:t>2024/1/8</a:t>
+              <a:t>2024/1/9</a:t>
             </a:fld>
             <a:endParaRPr lang="zh-TW" altLang="en-US"/>
           </a:p>
@@ -3448,7 +3448,7 @@
           <a:p>
             <a:fld id="{A99C5C56-1E66-44EF-BFAE-CA9B7F1AF4B2}" type="datetimeFigureOut">
               <a:rPr lang="zh-TW" altLang="en-US" smtClean="0"/>
-              <a:t>2024/1/8</a:t>
+              <a:t>2024/1/9</a:t>
             </a:fld>
             <a:endParaRPr lang="zh-TW" altLang="en-US"/>
           </a:p>
@@ -3735,7 +3735,7 @@
           <a:p>
             <a:fld id="{A99C5C56-1E66-44EF-BFAE-CA9B7F1AF4B2}" type="datetimeFigureOut">
               <a:rPr lang="zh-TW" altLang="en-US" smtClean="0"/>
-              <a:t>2024/1/8</a:t>
+              <a:t>2024/1/9</a:t>
             </a:fld>
             <a:endParaRPr lang="zh-TW" altLang="en-US"/>
           </a:p>
@@ -6301,7 +6301,7 @@
         </p:nvSpPr>
         <p:spPr>
           <a:xfrm>
-            <a:off x="1191354" y="1905001"/>
+            <a:off x="160413" y="1842248"/>
             <a:ext cx="10058400" cy="4023360"/>
           </a:xfrm>
         </p:spPr>
@@ -6443,7 +6443,7 @@
               <a:rPr lang="zh-TW" altLang="en-US" dirty="0">
                 <a:latin typeface="+mn-ea"/>
               </a:rPr>
-              <a:t>系統找到對應卡號進行扣款且銷毀該卡號</a:t>
+              <a:t>系統找到對應卡號進行扣款且從記錄中刪除該卡號</a:t>
             </a:r>
             <a:endParaRPr lang="en-US" altLang="zh-TW" dirty="0">
               <a:latin typeface="+mn-ea"/>
@@ -6561,6 +6561,53 @@
               <a:t>網路</a:t>
             </a:r>
             <a:endParaRPr lang="zh-TW" altLang="en-US" dirty="0"/>
+          </a:p>
+        </p:txBody>
+      </p:sp>
+      <p:sp>
+        <p:nvSpPr>
+          <p:cNvPr id="6" name="矩形 5">
+            <a:extLst>
+              <a:ext uri="{FF2B5EF4-FFF2-40B4-BE49-F238E27FC236}">
+                <a16:creationId xmlns:a16="http://schemas.microsoft.com/office/drawing/2014/main" id="{0A3411A9-96EA-4A85-9680-C345653B08A0}"/>
+              </a:ext>
+            </a:extLst>
+          </p:cNvPr>
+          <p:cNvSpPr/>
+          <p:nvPr/>
+        </p:nvSpPr>
+        <p:spPr>
+          <a:xfrm>
+            <a:off x="6329082" y="3917576"/>
+            <a:ext cx="5782236" cy="1102660"/>
+          </a:xfrm>
+          <a:prstGeom prst="rect">
+            <a:avLst/>
+          </a:prstGeom>
+          <a:noFill/>
+        </p:spPr>
+        <p:style>
+          <a:lnRef idx="2">
+            <a:schemeClr val="accent1">
+              <a:shade val="50000"/>
+            </a:schemeClr>
+          </a:lnRef>
+          <a:fillRef idx="1">
+            <a:schemeClr val="accent1"/>
+          </a:fillRef>
+          <a:effectRef idx="0">
+            <a:schemeClr val="accent1"/>
+          </a:effectRef>
+          <a:fontRef idx="minor">
+            <a:schemeClr val="lt1"/>
+          </a:fontRef>
+        </p:style>
+        <p:txBody>
+          <a:bodyPr rtlCol="0" anchor="ctr"/>
+          <a:lstStyle/>
+          <a:p>
+            <a:pPr algn="ctr"/>
+            <a:endParaRPr lang="zh-TW" altLang="en-US"/>
           </a:p>
         </p:txBody>
       </p:sp>
